--- a/img/banner.pptx
+++ b/img/banner.pptx
@@ -104,6 +104,11 @@
       </a:defRPr>
     </a:lvl9pPr>
   </p:defaultTextStyle>
+  <p:extLst>
+    <p:ext uri="{EFAFB233-063F-42B5-8137-9DF3F51BA10A}">
+      <p15:sldGuideLst xmlns:p15="http://schemas.microsoft.com/office/powerpoint/2012/main"/>
+    </p:ext>
+  </p:extLst>
 </p:presentation>
 </file>
 
@@ -254,7 +259,7 @@
           <a:p>
             <a:fld id="{DFE91AF8-8349-074B-8AE2-02427F47B280}" type="datetimeFigureOut">
               <a:rPr lang="en-GB" smtClean="0"/>
-              <a:t>07/01/2020</a:t>
+              <a:t>13/01/2020</a:t>
             </a:fld>
             <a:endParaRPr lang="en-GB"/>
           </a:p>
@@ -452,7 +457,7 @@
           <a:p>
             <a:fld id="{DFE91AF8-8349-074B-8AE2-02427F47B280}" type="datetimeFigureOut">
               <a:rPr lang="en-GB" smtClean="0"/>
-              <a:t>07/01/2020</a:t>
+              <a:t>13/01/2020</a:t>
             </a:fld>
             <a:endParaRPr lang="en-GB"/>
           </a:p>
@@ -660,7 +665,7 @@
           <a:p>
             <a:fld id="{DFE91AF8-8349-074B-8AE2-02427F47B280}" type="datetimeFigureOut">
               <a:rPr lang="en-GB" smtClean="0"/>
-              <a:t>07/01/2020</a:t>
+              <a:t>13/01/2020</a:t>
             </a:fld>
             <a:endParaRPr lang="en-GB"/>
           </a:p>
@@ -858,7 +863,7 @@
           <a:p>
             <a:fld id="{DFE91AF8-8349-074B-8AE2-02427F47B280}" type="datetimeFigureOut">
               <a:rPr lang="en-GB" smtClean="0"/>
-              <a:t>07/01/2020</a:t>
+              <a:t>13/01/2020</a:t>
             </a:fld>
             <a:endParaRPr lang="en-GB"/>
           </a:p>
@@ -1133,7 +1138,7 @@
           <a:p>
             <a:fld id="{DFE91AF8-8349-074B-8AE2-02427F47B280}" type="datetimeFigureOut">
               <a:rPr lang="en-GB" smtClean="0"/>
-              <a:t>07/01/2020</a:t>
+              <a:t>13/01/2020</a:t>
             </a:fld>
             <a:endParaRPr lang="en-GB"/>
           </a:p>
@@ -1398,7 +1403,7 @@
           <a:p>
             <a:fld id="{DFE91AF8-8349-074B-8AE2-02427F47B280}" type="datetimeFigureOut">
               <a:rPr lang="en-GB" smtClean="0"/>
-              <a:t>07/01/2020</a:t>
+              <a:t>13/01/2020</a:t>
             </a:fld>
             <a:endParaRPr lang="en-GB"/>
           </a:p>
@@ -1810,7 +1815,7 @@
           <a:p>
             <a:fld id="{DFE91AF8-8349-074B-8AE2-02427F47B280}" type="datetimeFigureOut">
               <a:rPr lang="en-GB" smtClean="0"/>
-              <a:t>07/01/2020</a:t>
+              <a:t>13/01/2020</a:t>
             </a:fld>
             <a:endParaRPr lang="en-GB"/>
           </a:p>
@@ -1951,7 +1956,7 @@
           <a:p>
             <a:fld id="{DFE91AF8-8349-074B-8AE2-02427F47B280}" type="datetimeFigureOut">
               <a:rPr lang="en-GB" smtClean="0"/>
-              <a:t>07/01/2020</a:t>
+              <a:t>13/01/2020</a:t>
             </a:fld>
             <a:endParaRPr lang="en-GB"/>
           </a:p>
@@ -2064,7 +2069,7 @@
           <a:p>
             <a:fld id="{DFE91AF8-8349-074B-8AE2-02427F47B280}" type="datetimeFigureOut">
               <a:rPr lang="en-GB" smtClean="0"/>
-              <a:t>07/01/2020</a:t>
+              <a:t>13/01/2020</a:t>
             </a:fld>
             <a:endParaRPr lang="en-GB"/>
           </a:p>
@@ -2375,7 +2380,7 @@
           <a:p>
             <a:fld id="{DFE91AF8-8349-074B-8AE2-02427F47B280}" type="datetimeFigureOut">
               <a:rPr lang="en-GB" smtClean="0"/>
-              <a:t>07/01/2020</a:t>
+              <a:t>13/01/2020</a:t>
             </a:fld>
             <a:endParaRPr lang="en-GB"/>
           </a:p>
@@ -2663,7 +2668,7 @@
           <a:p>
             <a:fld id="{DFE91AF8-8349-074B-8AE2-02427F47B280}" type="datetimeFigureOut">
               <a:rPr lang="en-GB" smtClean="0"/>
-              <a:t>07/01/2020</a:t>
+              <a:t>13/01/2020</a:t>
             </a:fld>
             <a:endParaRPr lang="en-GB"/>
           </a:p>
@@ -2904,7 +2909,7 @@
           <a:p>
             <a:fld id="{DFE91AF8-8349-074B-8AE2-02427F47B280}" type="datetimeFigureOut">
               <a:rPr lang="en-GB" smtClean="0"/>
-              <a:t>07/01/2020</a:t>
+              <a:t>13/01/2020</a:t>
             </a:fld>
             <a:endParaRPr lang="en-GB"/>
           </a:p>
@@ -3390,8 +3395,61 @@
                 <a:latin typeface="Corbel" panose="020B0503020204020204" pitchFamily="34" charset="0"/>
                 <a:ea typeface="AppleGothic" pitchFamily="2" charset="-127"/>
               </a:rPr>
-              <a:t>Online Methods Course in </a:t>
-            </a:r>
+              <a:t>Online Methods Course in 			</a:t>
+            </a:r>
+            <a:r>
+              <a:rPr lang="en-GB" sz="3600" b="1" i="0" dirty="0">
+                <a:solidFill>
+                  <a:schemeClr val="tx1">
+                    <a:lumMod val="85000"/>
+                    <a:lumOff val="15000"/>
+                  </a:schemeClr>
+                </a:solidFill>
+                <a:effectLst/>
+                <a:latin typeface="Corbel" panose="020B0503020204020204" pitchFamily="34" charset="0"/>
+                <a:ea typeface="AppleGothic" pitchFamily="2" charset="-127"/>
+              </a:rPr>
+              <a:t>     </a:t>
+            </a:r>
+            <a:r>
+              <a:rPr lang="en-GB" sz="2400" b="1" i="0" dirty="0">
+                <a:solidFill>
+                  <a:schemeClr val="tx1">
+                    <a:lumMod val="50000"/>
+                    <a:lumOff val="50000"/>
+                  </a:schemeClr>
+                </a:solidFill>
+                <a:effectLst/>
+                <a:latin typeface="AppleGothic" pitchFamily="2" charset="-127"/>
+                <a:ea typeface="AppleGothic" pitchFamily="2" charset="-127"/>
+              </a:rPr>
+              <a:t>#</a:t>
+            </a:r>
+            <a:r>
+              <a:rPr lang="en-GB" sz="2400" b="1" i="0" dirty="0" err="1">
+                <a:solidFill>
+                  <a:schemeClr val="tx1">
+                    <a:lumMod val="50000"/>
+                    <a:lumOff val="50000"/>
+                  </a:schemeClr>
+                </a:solidFill>
+                <a:effectLst/>
+                <a:latin typeface="AppleGothic" pitchFamily="2" charset="-127"/>
+                <a:ea typeface="AppleGothic" pitchFamily="2" charset="-127"/>
+              </a:rPr>
+              <a:t>ESTraining</a:t>
+            </a:r>
+            <a:endParaRPr lang="en-GB" sz="3600" b="1" i="0" dirty="0">
+              <a:solidFill>
+                <a:schemeClr val="tx1">
+                  <a:lumMod val="50000"/>
+                  <a:lumOff val="50000"/>
+                </a:schemeClr>
+              </a:solidFill>
+              <a:effectLst/>
+              <a:latin typeface="AppleGothic" pitchFamily="2" charset="-127"/>
+              <a:ea typeface="AppleGothic" pitchFamily="2" charset="-127"/>
+            </a:endParaRPr>
           </a:p>
           <a:p>
             <a:endParaRPr lang="en-GB" sz="3600" dirty="0">
